--- a/CD_Project_Team_3_Presentation.pptx
+++ b/CD_Project_Team_3_Presentation.pptx
@@ -274,7 +274,7 @@
           <a:p>
             <a:fld id="{C764DE79-268F-4C1A-8933-263129D2AF90}" type="datetimeFigureOut">
               <a:rPr lang="en-US" dirty="0"/>
-              <a:t>11/1/2020</a:t>
+              <a:t>11/2/2020</a:t>
             </a:fld>
             <a:endParaRPr lang="en-US" dirty="0"/>
           </a:p>
@@ -442,7 +442,7 @@
           <a:p>
             <a:fld id="{C764DE79-268F-4C1A-8933-263129D2AF90}" type="datetimeFigureOut">
               <a:rPr lang="en-US" dirty="0"/>
-              <a:t>11/1/2020</a:t>
+              <a:t>11/2/2020</a:t>
             </a:fld>
             <a:endParaRPr lang="en-US" dirty="0"/>
           </a:p>
@@ -620,7 +620,7 @@
           <a:p>
             <a:fld id="{C764DE79-268F-4C1A-8933-263129D2AF90}" type="datetimeFigureOut">
               <a:rPr lang="en-US" dirty="0"/>
-              <a:t>11/1/2020</a:t>
+              <a:t>11/2/2020</a:t>
             </a:fld>
             <a:endParaRPr lang="en-US" dirty="0"/>
           </a:p>
@@ -788,7 +788,7 @@
           <a:p>
             <a:fld id="{C764DE79-268F-4C1A-8933-263129D2AF90}" type="datetimeFigureOut">
               <a:rPr lang="en-US" dirty="0"/>
-              <a:t>11/1/2020</a:t>
+              <a:t>11/2/2020</a:t>
             </a:fld>
             <a:endParaRPr lang="en-US" dirty="0"/>
           </a:p>
@@ -1033,7 +1033,7 @@
           <a:p>
             <a:fld id="{C764DE79-268F-4C1A-8933-263129D2AF90}" type="datetimeFigureOut">
               <a:rPr lang="en-US" dirty="0"/>
-              <a:t>11/1/2020</a:t>
+              <a:t>11/2/2020</a:t>
             </a:fld>
             <a:endParaRPr lang="en-US" dirty="0"/>
           </a:p>
@@ -1262,7 +1262,7 @@
           <a:p>
             <a:fld id="{C764DE79-268F-4C1A-8933-263129D2AF90}" type="datetimeFigureOut">
               <a:rPr lang="en-US" dirty="0"/>
-              <a:t>11/1/2020</a:t>
+              <a:t>11/2/2020</a:t>
             </a:fld>
             <a:endParaRPr lang="en-US" dirty="0"/>
           </a:p>
@@ -1626,7 +1626,7 @@
           <a:p>
             <a:fld id="{C764DE79-268F-4C1A-8933-263129D2AF90}" type="datetimeFigureOut">
               <a:rPr lang="en-US" dirty="0"/>
-              <a:t>11/1/2020</a:t>
+              <a:t>11/2/2020</a:t>
             </a:fld>
             <a:endParaRPr lang="en-US" dirty="0"/>
           </a:p>
@@ -1743,7 +1743,7 @@
           <a:p>
             <a:fld id="{C764DE79-268F-4C1A-8933-263129D2AF90}" type="datetimeFigureOut">
               <a:rPr lang="en-US" dirty="0"/>
-              <a:t>11/1/2020</a:t>
+              <a:t>11/2/2020</a:t>
             </a:fld>
             <a:endParaRPr lang="en-US" dirty="0"/>
           </a:p>
@@ -1838,7 +1838,7 @@
           <a:p>
             <a:fld id="{C764DE79-268F-4C1A-8933-263129D2AF90}" type="datetimeFigureOut">
               <a:rPr lang="en-US" dirty="0"/>
-              <a:t>11/1/2020</a:t>
+              <a:t>11/2/2020</a:t>
             </a:fld>
             <a:endParaRPr lang="en-US" dirty="0"/>
           </a:p>
@@ -2113,7 +2113,7 @@
           <a:p>
             <a:fld id="{C764DE79-268F-4C1A-8933-263129D2AF90}" type="datetimeFigureOut">
               <a:rPr lang="en-US" dirty="0"/>
-              <a:t>11/1/2020</a:t>
+              <a:t>11/2/2020</a:t>
             </a:fld>
             <a:endParaRPr lang="en-US" dirty="0"/>
           </a:p>
@@ -2365,7 +2365,7 @@
           <a:p>
             <a:fld id="{C764DE79-268F-4C1A-8933-263129D2AF90}" type="datetimeFigureOut">
               <a:rPr lang="en-US" dirty="0"/>
-              <a:t>11/1/2020</a:t>
+              <a:t>11/2/2020</a:t>
             </a:fld>
             <a:endParaRPr lang="en-US" dirty="0"/>
           </a:p>
@@ -2576,7 +2576,7 @@
           <a:p>
             <a:fld id="{C764DE79-268F-4C1A-8933-263129D2AF90}" type="datetimeFigureOut">
               <a:rPr lang="en-US" dirty="0"/>
-              <a:t>11/1/2020</a:t>
+              <a:t>11/2/2020</a:t>
             </a:fld>
             <a:endParaRPr lang="en-US" dirty="0"/>
           </a:p>
@@ -9632,7 +9632,7 @@
         </p:blipFill>
         <p:spPr>
           <a:xfrm>
-            <a:off x="1990160" y="1823847"/>
+            <a:off x="1990160" y="1835277"/>
             <a:ext cx="8693610" cy="4889373"/>
           </a:xfrm>
         </p:spPr>
@@ -16189,10 +16189,10 @@
       </p:sp>
       <p:pic>
         <p:nvPicPr>
-          <p:cNvPr id="42" name="Picture 48" descr="Diagram&#10;&#10;Description automatically generated">
+          <p:cNvPr id="22" name="Content Placeholder 21">
             <a:extLst>
               <a:ext uri="{FF2B5EF4-FFF2-40B4-BE49-F238E27FC236}">
-                <a16:creationId xmlns:a16="http://schemas.microsoft.com/office/drawing/2014/main" id="{39CB223B-797A-46CD-AEA2-12009258848B}"/>
+                <a16:creationId xmlns:a16="http://schemas.microsoft.com/office/drawing/2014/main" id="{BA3E474D-A2A9-4519-87D0-80BFB5CF02C1}"/>
               </a:ext>
             </a:extLst>
           </p:cNvPr>
@@ -16211,8 +16211,8 @@
         </p:blipFill>
         <p:spPr>
           <a:xfrm>
-            <a:off x="1024309" y="103297"/>
-            <a:ext cx="4047380" cy="6647776"/>
+            <a:off x="861478" y="377189"/>
+            <a:ext cx="3420212" cy="5853967"/>
           </a:xfrm>
         </p:spPr>
       </p:pic>
